--- a/Projekt3.pptx
+++ b/Projekt3.pptx
@@ -109,6 +109,11 @@
       </a:defRPr>
     </a:lvl9pPr>
   </p:defaultTextStyle>
+  <p:extLst>
+    <p:ext uri="{EFAFB233-063F-42B5-8137-9DF3F51BA10A}">
+      <p15:sldGuideLst xmlns:p15="http://schemas.microsoft.com/office/powerpoint/2012/main"/>
+    </p:ext>
+  </p:extLst>
 </p:presentation>
 </file>
 
@@ -386,7 +391,7 @@
           <a:p>
             <a:fld id="{30E1792C-5760-4BF3-95FF-E60ABAE68B1C}" type="datetimeFigureOut">
               <a:rPr lang="sk-SK" smtClean="0"/>
-              <a:t>31.01.2017</a:t>
+              <a:t>1.2.2017</a:t>
             </a:fld>
             <a:endParaRPr lang="sk-SK"/>
           </a:p>
@@ -800,7 +805,7 @@
           <a:p>
             <a:fld id="{30E1792C-5760-4BF3-95FF-E60ABAE68B1C}" type="datetimeFigureOut">
               <a:rPr lang="sk-SK" smtClean="0"/>
-              <a:t>31.01.2017</a:t>
+              <a:t>1.2.2017</a:t>
             </a:fld>
             <a:endParaRPr lang="sk-SK"/>
           </a:p>
@@ -1136,7 +1141,7 @@
           <a:p>
             <a:fld id="{30E1792C-5760-4BF3-95FF-E60ABAE68B1C}" type="datetimeFigureOut">
               <a:rPr lang="sk-SK" smtClean="0"/>
-              <a:t>31.01.2017</a:t>
+              <a:t>1.2.2017</a:t>
             </a:fld>
             <a:endParaRPr lang="sk-SK"/>
           </a:p>
@@ -1541,7 +1546,7 @@
           <a:p>
             <a:fld id="{30E1792C-5760-4BF3-95FF-E60ABAE68B1C}" type="datetimeFigureOut">
               <a:rPr lang="sk-SK" smtClean="0"/>
-              <a:t>31.01.2017</a:t>
+              <a:t>1.2.2017</a:t>
             </a:fld>
             <a:endParaRPr lang="sk-SK"/>
           </a:p>
@@ -2109,7 +2114,7 @@
           <a:p>
             <a:fld id="{30E1792C-5760-4BF3-95FF-E60ABAE68B1C}" type="datetimeFigureOut">
               <a:rPr lang="sk-SK" smtClean="0"/>
-              <a:t>31.01.2017</a:t>
+              <a:t>1.2.2017</a:t>
             </a:fld>
             <a:endParaRPr lang="sk-SK"/>
           </a:p>
@@ -2790,7 +2795,7 @@
           <a:p>
             <a:fld id="{30E1792C-5760-4BF3-95FF-E60ABAE68B1C}" type="datetimeFigureOut">
               <a:rPr lang="sk-SK" smtClean="0"/>
-              <a:t>31.01.2017</a:t>
+              <a:t>1.2.2017</a:t>
             </a:fld>
             <a:endParaRPr lang="sk-SK"/>
           </a:p>
@@ -3703,7 +3708,7 @@
           <a:p>
             <a:fld id="{30E1792C-5760-4BF3-95FF-E60ABAE68B1C}" type="datetimeFigureOut">
               <a:rPr lang="sk-SK" smtClean="0"/>
-              <a:t>31.01.2017</a:t>
+              <a:t>1.2.2017</a:t>
             </a:fld>
             <a:endParaRPr lang="sk-SK"/>
           </a:p>
@@ -4016,7 +4021,7 @@
           <a:p>
             <a:fld id="{30E1792C-5760-4BF3-95FF-E60ABAE68B1C}" type="datetimeFigureOut">
               <a:rPr lang="sk-SK" smtClean="0"/>
-              <a:t>31.01.2017</a:t>
+              <a:t>1.2.2017</a:t>
             </a:fld>
             <a:endParaRPr lang="sk-SK"/>
           </a:p>
@@ -4280,7 +4285,7 @@
           <a:p>
             <a:fld id="{30E1792C-5760-4BF3-95FF-E60ABAE68B1C}" type="datetimeFigureOut">
               <a:rPr lang="sk-SK" smtClean="0"/>
-              <a:t>31.01.2017</a:t>
+              <a:t>1.2.2017</a:t>
             </a:fld>
             <a:endParaRPr lang="sk-SK"/>
           </a:p>
@@ -4603,7 +4608,7 @@
           <a:p>
             <a:fld id="{30E1792C-5760-4BF3-95FF-E60ABAE68B1C}" type="datetimeFigureOut">
               <a:rPr lang="sk-SK" smtClean="0"/>
-              <a:t>31.01.2017</a:t>
+              <a:t>1.2.2017</a:t>
             </a:fld>
             <a:endParaRPr lang="sk-SK"/>
           </a:p>
@@ -4992,7 +4997,7 @@
           <a:p>
             <a:fld id="{30E1792C-5760-4BF3-95FF-E60ABAE68B1C}" type="datetimeFigureOut">
               <a:rPr lang="sk-SK" smtClean="0"/>
-              <a:t>31.01.2017</a:t>
+              <a:t>1.2.2017</a:t>
             </a:fld>
             <a:endParaRPr lang="sk-SK"/>
           </a:p>
@@ -5368,7 +5373,7 @@
           <a:p>
             <a:fld id="{30E1792C-5760-4BF3-95FF-E60ABAE68B1C}" type="datetimeFigureOut">
               <a:rPr lang="sk-SK" smtClean="0"/>
-              <a:t>31.01.2017</a:t>
+              <a:t>1.2.2017</a:t>
             </a:fld>
             <a:endParaRPr lang="sk-SK"/>
           </a:p>
@@ -5874,7 +5879,7 @@
           <a:p>
             <a:fld id="{30E1792C-5760-4BF3-95FF-E60ABAE68B1C}" type="datetimeFigureOut">
               <a:rPr lang="sk-SK" smtClean="0"/>
-              <a:t>31.01.2017</a:t>
+              <a:t>1.2.2017</a:t>
             </a:fld>
             <a:endParaRPr lang="sk-SK"/>
           </a:p>
@@ -6131,7 +6136,7 @@
           <a:p>
             <a:fld id="{30E1792C-5760-4BF3-95FF-E60ABAE68B1C}" type="datetimeFigureOut">
               <a:rPr lang="sk-SK" smtClean="0"/>
-              <a:t>31.01.2017</a:t>
+              <a:t>1.2.2017</a:t>
             </a:fld>
             <a:endParaRPr lang="sk-SK"/>
           </a:p>
@@ -6294,7 +6299,7 @@
           <a:p>
             <a:fld id="{30E1792C-5760-4BF3-95FF-E60ABAE68B1C}" type="datetimeFigureOut">
               <a:rPr lang="sk-SK" smtClean="0"/>
-              <a:t>31.01.2017</a:t>
+              <a:t>1.2.2017</a:t>
             </a:fld>
             <a:endParaRPr lang="sk-SK"/>
           </a:p>
@@ -6684,7 +6689,7 @@
           <a:p>
             <a:fld id="{30E1792C-5760-4BF3-95FF-E60ABAE68B1C}" type="datetimeFigureOut">
               <a:rPr lang="sk-SK" smtClean="0"/>
-              <a:t>31.01.2017</a:t>
+              <a:t>1.2.2017</a:t>
             </a:fld>
             <a:endParaRPr lang="sk-SK"/>
           </a:p>
@@ -7093,7 +7098,7 @@
           <a:p>
             <a:fld id="{30E1792C-5760-4BF3-95FF-E60ABAE68B1C}" type="datetimeFigureOut">
               <a:rPr lang="sk-SK" smtClean="0"/>
-              <a:t>31.01.2017</a:t>
+              <a:t>1.2.2017</a:t>
             </a:fld>
             <a:endParaRPr lang="sk-SK"/>
           </a:p>
@@ -7337,7 +7342,7 @@
           <a:p>
             <a:fld id="{30E1792C-5760-4BF3-95FF-E60ABAE68B1C}" type="datetimeFigureOut">
               <a:rPr lang="sk-SK" smtClean="0"/>
-              <a:t>31.01.2017</a:t>
+              <a:t>1.2.2017</a:t>
             </a:fld>
             <a:endParaRPr lang="sk-SK"/>
           </a:p>
@@ -7855,7 +7860,12 @@
             <p:ph idx="1"/>
           </p:nvPr>
         </p:nvSpPr>
-        <p:spPr/>
+        <p:spPr>
+          <a:xfrm>
+            <a:off x="680321" y="2299317"/>
+            <a:ext cx="5835889" cy="3636872"/>
+          </a:xfrm>
+        </p:spPr>
         <p:txBody>
           <a:bodyPr/>
           <a:lstStyle/>
@@ -7879,6 +7889,36 @@
           </a:p>
         </p:txBody>
       </p:sp>
+      <p:pic>
+        <p:nvPicPr>
+          <p:cNvPr id="4" name="Picture 3"/>
+          <p:cNvPicPr>
+            <a:picLocks noChangeAspect="1"/>
+          </p:cNvPicPr>
+          <p:nvPr/>
+        </p:nvPicPr>
+        <p:blipFill>
+          <a:blip r:embed="rId2">
+            <a:extLst>
+              <a:ext uri="{28A0092B-C50C-407E-A947-70E740481C1C}">
+                <a14:useLocalDpi xmlns:a14="http://schemas.microsoft.com/office/drawing/2010/main" val="0"/>
+              </a:ext>
+            </a:extLst>
+          </a:blip>
+          <a:stretch>
+            <a:fillRect/>
+          </a:stretch>
+        </p:blipFill>
+        <p:spPr>
+          <a:xfrm>
+            <a:off x="6633838" y="2090445"/>
+            <a:ext cx="5334000" cy="4470400"/>
+          </a:xfrm>
+          <a:prstGeom prst="rect">
+            <a:avLst/>
+          </a:prstGeom>
+        </p:spPr>
+      </p:pic>
     </p:spTree>
     <p:extLst>
       <p:ext uri="{BB962C8B-B14F-4D97-AF65-F5344CB8AC3E}">
@@ -7941,7 +7981,12 @@
             <p:ph idx="1"/>
           </p:nvPr>
         </p:nvSpPr>
-        <p:spPr/>
+        <p:spPr>
+          <a:xfrm>
+            <a:off x="5388745" y="2203708"/>
+            <a:ext cx="6587231" cy="4152704"/>
+          </a:xfrm>
+        </p:spPr>
         <p:txBody>
           <a:bodyPr/>
           <a:lstStyle/>
@@ -7965,6 +8010,36 @@
           </a:p>
         </p:txBody>
       </p:sp>
+      <p:pic>
+        <p:nvPicPr>
+          <p:cNvPr id="4" name="Picture 3"/>
+          <p:cNvPicPr>
+            <a:picLocks noChangeAspect="1"/>
+          </p:cNvPicPr>
+          <p:nvPr/>
+        </p:nvPicPr>
+        <p:blipFill>
+          <a:blip r:embed="rId2">
+            <a:extLst>
+              <a:ext uri="{28A0092B-C50C-407E-A947-70E740481C1C}">
+                <a14:useLocalDpi xmlns:a14="http://schemas.microsoft.com/office/drawing/2010/main" val="0"/>
+              </a:ext>
+            </a:extLst>
+          </a:blip>
+          <a:stretch>
+            <a:fillRect/>
+          </a:stretch>
+        </p:blipFill>
+        <p:spPr>
+          <a:xfrm>
+            <a:off x="810234" y="2203708"/>
+            <a:ext cx="4463103" cy="4463103"/>
+          </a:xfrm>
+          <a:prstGeom prst="rect">
+            <a:avLst/>
+          </a:prstGeom>
+        </p:spPr>
+      </p:pic>
     </p:spTree>
     <p:extLst>
       <p:ext uri="{BB962C8B-B14F-4D97-AF65-F5344CB8AC3E}">
@@ -8131,6 +8206,36 @@
           </a:p>
         </p:txBody>
       </p:sp>
+      <p:pic>
+        <p:nvPicPr>
+          <p:cNvPr id="5" name="Picture 4"/>
+          <p:cNvPicPr>
+            <a:picLocks noChangeAspect="1"/>
+          </p:cNvPicPr>
+          <p:nvPr/>
+        </p:nvPicPr>
+        <p:blipFill>
+          <a:blip r:embed="rId2">
+            <a:extLst>
+              <a:ext uri="{28A0092B-C50C-407E-A947-70E740481C1C}">
+                <a14:useLocalDpi xmlns:a14="http://schemas.microsoft.com/office/drawing/2010/main" val="0"/>
+              </a:ext>
+            </a:extLst>
+          </a:blip>
+          <a:stretch>
+            <a:fillRect/>
+          </a:stretch>
+        </p:blipFill>
+        <p:spPr>
+          <a:xfrm>
+            <a:off x="4850675" y="2822914"/>
+            <a:ext cx="4905375" cy="3467100"/>
+          </a:xfrm>
+          <a:prstGeom prst="rect">
+            <a:avLst/>
+          </a:prstGeom>
+        </p:spPr>
+      </p:pic>
     </p:spTree>
     <p:extLst>
       <p:ext uri="{BB962C8B-B14F-4D97-AF65-F5344CB8AC3E}">
@@ -8206,7 +8311,7 @@
           <a:p>
             <a:r>
               <a:rPr lang="sk-SK" dirty="0"/>
-              <a:t>Rýchlost – naivné riešenie môže trvať hodiny, taktiež pomalé riešenia majú zmysel?</a:t>
+              <a:t>Rýchlost – naivné riešenie môže trvať hodiny, majú pomalé riešenia zmysel?</a:t>
             </a:r>
           </a:p>
           <a:p>
